--- a/workspace/flow.pptx
+++ b/workspace/flow.pptx
@@ -64,7 +64,7 @@
         <p:txBody>
           <a:bodyPr/>
           <a:p>
-            <a:fld id="{AA9205FF-4759-407C-880E-92BBE49B757D}" type="slidenum">
+            <a:fld id="{0582407D-3C03-40B7-848A-A09EFCE2EE5A}" type="slidenum">
               <a:t>&lt;#&gt;</a:t>
             </a:fld>
           </a:p>
@@ -252,7 +252,7 @@
         <p:txBody>
           <a:bodyPr/>
           <a:p>
-            <a:fld id="{CBB29FF6-EC8B-4FF8-8630-4F3FE29C5287}" type="slidenum">
+            <a:fld id="{CE60147B-231B-415E-8769-C35744DC3AFC}" type="slidenum">
               <a:t>&lt;#&gt;</a:t>
             </a:fld>
           </a:p>
@@ -508,7 +508,7 @@
         <p:txBody>
           <a:bodyPr/>
           <a:p>
-            <a:fld id="{8C6250FD-AE9C-43CD-B897-724FB507F5B9}" type="slidenum">
+            <a:fld id="{A7A27DE9-5756-436C-AEBB-82F58C8718E8}" type="slidenum">
               <a:t>&lt;#&gt;</a:t>
             </a:fld>
           </a:p>
@@ -832,7 +832,7 @@
         <p:txBody>
           <a:bodyPr/>
           <a:p>
-            <a:fld id="{77AD9E6D-558C-401A-92EB-545CE1630750}" type="slidenum">
+            <a:fld id="{042DD929-803B-42D5-83A5-DCA0C35AB602}" type="slidenum">
               <a:t>&lt;#&gt;</a:t>
             </a:fld>
           </a:p>
@@ -989,7 +989,7 @@
         <p:txBody>
           <a:bodyPr/>
           <a:p>
-            <a:fld id="{0F227C85-7703-4073-BF26-E7C63258948E}" type="slidenum">
+            <a:fld id="{C870A7AA-E750-4553-8DBE-ACC48E2C138F}" type="slidenum">
               <a:t>&lt;#&gt;</a:t>
             </a:fld>
           </a:p>
@@ -1143,7 +1143,7 @@
         <p:txBody>
           <a:bodyPr/>
           <a:p>
-            <a:fld id="{47F9B2FC-A2A4-4219-9D63-056C4A5AE4DC}" type="slidenum">
+            <a:fld id="{07F31225-931B-40B2-AACF-51B387393C3C}" type="slidenum">
               <a:t>&lt;#&gt;</a:t>
             </a:fld>
           </a:p>
@@ -1331,7 +1331,7 @@
         <p:txBody>
           <a:bodyPr/>
           <a:p>
-            <a:fld id="{60874AFE-2D38-41C8-8FF4-1185F4F6984B}" type="slidenum">
+            <a:fld id="{6FC54DB7-0AE6-4F5E-A007-9DBA8BEE7FF3}" type="slidenum">
               <a:t>&lt;#&gt;</a:t>
             </a:fld>
           </a:p>
@@ -1451,7 +1451,7 @@
         <p:txBody>
           <a:bodyPr/>
           <a:p>
-            <a:fld id="{C39913C8-FE12-4607-BECA-4E8E6426C6CF}" type="slidenum">
+            <a:fld id="{95CF6B81-7468-42BA-ABB0-D0A92B639940}" type="slidenum">
               <a:t>&lt;#&gt;</a:t>
             </a:fld>
           </a:p>
@@ -1571,7 +1571,7 @@
         <p:txBody>
           <a:bodyPr/>
           <a:p>
-            <a:fld id="{6D759227-4EF1-4900-8DE3-9DCA7D1B6DA4}" type="slidenum">
+            <a:fld id="{EE15FF7B-AC6A-4DD6-AAC1-CC7B764F1ACD}" type="slidenum">
               <a:t>&lt;#&gt;</a:t>
             </a:fld>
           </a:p>
@@ -1793,7 +1793,7 @@
         <p:txBody>
           <a:bodyPr/>
           <a:p>
-            <a:fld id="{CB1647A9-4018-4EC0-AE98-61EFF009F170}" type="slidenum">
+            <a:fld id="{4AE36015-7A02-4AB1-99CF-962292B7E401}" type="slidenum">
               <a:t>&lt;#&gt;</a:t>
             </a:fld>
           </a:p>
@@ -2015,7 +2015,7 @@
         <p:txBody>
           <a:bodyPr/>
           <a:p>
-            <a:fld id="{4C606D29-BC94-49E9-80EF-11EC182F059D}" type="slidenum">
+            <a:fld id="{3C0F250E-CC62-4262-9CD4-E763E350B3C3}" type="slidenum">
               <a:t>&lt;#&gt;</a:t>
             </a:fld>
           </a:p>
@@ -2237,7 +2237,7 @@
         <p:txBody>
           <a:bodyPr/>
           <a:p>
-            <a:fld id="{D60CEFED-862B-4397-A4F4-DF7683CE12CD}" type="slidenum">
+            <a:fld id="{29E3F8DB-6471-4FF8-B7DF-E868228F173E}" type="slidenum">
               <a:t>&lt;#&gt;</a:t>
             </a:fld>
           </a:p>
@@ -2299,7 +2299,7 @@
         <p:spPr>
           <a:xfrm>
             <a:off x="3447360" y="5165280"/>
-            <a:ext cx="3192480" cy="388080"/>
+            <a:ext cx="3192120" cy="387720"/>
           </a:xfrm>
           <a:prstGeom prst="rect">
             <a:avLst/>
@@ -2335,7 +2335,7 @@
               <a:rPr b="0" lang="en-US" sz="1400" spc="-1" strike="noStrike">
                 <a:latin typeface="游明朝"/>
               </a:rPr>
-              <a:t> </a:t>
+              <a:t>&lt;フッター&gt;</a:t>
             </a:r>
             <a:endParaRPr b="0" lang="en-US" sz="1400" spc="-1" strike="noStrike">
               <a:latin typeface="游明朝"/>
@@ -2356,7 +2356,7 @@
         <p:spPr>
           <a:xfrm>
             <a:off x="7227360" y="5165280"/>
-            <a:ext cx="2345760" cy="388080"/>
+            <a:ext cx="2345400" cy="387720"/>
           </a:xfrm>
           <a:prstGeom prst="rect">
             <a:avLst/>
@@ -2388,7 +2388,7 @@
               </a:lnSpc>
               <a:buNone/>
             </a:pPr>
-            <a:fld id="{C0D772E7-A677-4D9C-99F5-9C5F29CC66FF}" type="slidenum">
+            <a:fld id="{5F361F2E-27B5-4E1A-B1C3-A479543FC018}" type="slidenum">
               <a:rPr b="0" lang="en-US" sz="1400" spc="-1" strike="noStrike">
                 <a:latin typeface="游明朝"/>
               </a:rPr>
@@ -2413,7 +2413,7 @@
         <p:spPr>
           <a:xfrm>
             <a:off x="504000" y="5165280"/>
-            <a:ext cx="2345760" cy="388080"/>
+            <a:ext cx="2345400" cy="387720"/>
           </a:xfrm>
           <a:prstGeom prst="rect">
             <a:avLst/>
@@ -2754,8 +2754,8 @@
         </p:nvSpPr>
         <p:spPr>
           <a:xfrm>
-            <a:off x="2448360" y="396000"/>
-            <a:ext cx="1437480" cy="501840"/>
+            <a:off x="3528360" y="396000"/>
+            <a:ext cx="1437120" cy="501480"/>
           </a:xfrm>
           <a:prstGeom prst="flowChartTerminator">
             <a:avLst/>
@@ -2810,8 +2810,8 @@
         </p:nvSpPr>
         <p:spPr>
           <a:xfrm>
-            <a:off x="2448000" y="4860000"/>
-            <a:ext cx="1437480" cy="501840"/>
+            <a:off x="3528000" y="4860000"/>
+            <a:ext cx="1437120" cy="501480"/>
           </a:xfrm>
           <a:prstGeom prst="flowChartTerminator">
             <a:avLst/>
@@ -2866,8 +2866,8 @@
         </p:nvSpPr>
         <p:spPr>
           <a:xfrm>
-            <a:off x="1728000" y="1296000"/>
-            <a:ext cx="2877480" cy="480960"/>
+            <a:off x="2808000" y="1296000"/>
+            <a:ext cx="2877120" cy="480600"/>
           </a:xfrm>
           <a:prstGeom prst="flowChartProcess">
             <a:avLst/>
@@ -2922,8 +2922,8 @@
         </p:nvSpPr>
         <p:spPr>
           <a:xfrm>
-            <a:off x="1728360" y="2196000"/>
-            <a:ext cx="2877480" cy="480960"/>
+            <a:off x="2808360" y="2196000"/>
+            <a:ext cx="2877120" cy="480600"/>
           </a:xfrm>
           <a:prstGeom prst="flowChartProcess">
             <a:avLst/>
@@ -2978,8 +2978,8 @@
         </p:nvSpPr>
         <p:spPr>
           <a:xfrm>
-            <a:off x="1728000" y="3096000"/>
-            <a:ext cx="2877480" cy="480960"/>
+            <a:off x="2808000" y="3096000"/>
+            <a:ext cx="2877120" cy="480600"/>
           </a:xfrm>
           <a:prstGeom prst="flowChartProcess">
             <a:avLst/>
@@ -3034,8 +3034,8 @@
         </p:nvSpPr>
         <p:spPr>
           <a:xfrm>
-            <a:off x="1728000" y="3996000"/>
-            <a:ext cx="2877480" cy="480960"/>
+            <a:off x="2808000" y="3996000"/>
+            <a:ext cx="2877120" cy="480600"/>
           </a:xfrm>
           <a:prstGeom prst="flowChartProcess">
             <a:avLst/>
@@ -3090,8 +3090,8 @@
         </p:nvSpPr>
         <p:spPr>
           <a:xfrm>
-            <a:off x="6300000" y="1116000"/>
-            <a:ext cx="2697840" cy="4029840"/>
+            <a:off x="6660000" y="1116000"/>
+            <a:ext cx="2697480" cy="4029480"/>
           </a:xfrm>
           <a:prstGeom prst="rect">
             <a:avLst/>
@@ -3120,8 +3120,8 @@
         </p:nvSpPr>
         <p:spPr>
           <a:xfrm flipH="1" flipV="1">
-            <a:off x="6297480" y="753840"/>
-            <a:ext cx="1190520" cy="357840"/>
+            <a:off x="6657480" y="753120"/>
+            <a:ext cx="1190160" cy="357480"/>
           </a:xfrm>
           <a:custGeom>
             <a:avLst/>
@@ -3170,8 +3170,8 @@
         </p:nvSpPr>
         <p:spPr>
           <a:xfrm>
-            <a:off x="6516000" y="769320"/>
-            <a:ext cx="755280" cy="344520"/>
+            <a:off x="6876000" y="769320"/>
+            <a:ext cx="754920" cy="344160"/>
           </a:xfrm>
           <a:prstGeom prst="rect">
             <a:avLst/>
@@ -3222,8 +3222,8 @@
         </p:nvSpPr>
         <p:spPr>
           <a:xfrm>
-            <a:off x="6516000" y="1260000"/>
-            <a:ext cx="1077840" cy="344520"/>
+            <a:off x="6876000" y="1260000"/>
+            <a:ext cx="1077480" cy="344160"/>
           </a:xfrm>
           <a:prstGeom prst="foldedCorner">
             <a:avLst>
@@ -3280,10 +3280,10 @@
         </p:nvGrpSpPr>
         <p:grpSpPr>
           <a:xfrm>
-            <a:off x="6732000" y="1703160"/>
-            <a:ext cx="1581840" cy="1030680"/>
-            <a:chOff x="6732000" y="1703160"/>
-            <a:chExt cx="1581840" cy="1030680"/>
+            <a:off x="7092000" y="1702800"/>
+            <a:ext cx="1581480" cy="1030680"/>
+            <a:chOff x="7092000" y="1702800"/>
+            <a:chExt cx="1581480" cy="1030680"/>
           </a:xfrm>
         </p:grpSpPr>
         <p:sp>
@@ -3294,8 +3294,8 @@
           </p:nvSpPr>
           <p:spPr>
             <a:xfrm>
-              <a:off x="6768000" y="2052000"/>
-              <a:ext cx="1545840" cy="681840"/>
+              <a:off x="7128000" y="2052000"/>
+              <a:ext cx="1545480" cy="681480"/>
             </a:xfrm>
             <a:prstGeom prst="rect">
               <a:avLst/>
@@ -3324,8 +3324,8 @@
           </p:nvSpPr>
           <p:spPr>
             <a:xfrm flipH="1" flipV="1">
-              <a:off x="6765840" y="1702800"/>
-              <a:ext cx="1077840" cy="344520"/>
+              <a:off x="7125120" y="1702800"/>
+              <a:ext cx="1077480" cy="344160"/>
             </a:xfrm>
             <a:custGeom>
               <a:avLst/>
@@ -3374,8 +3374,8 @@
           </p:nvSpPr>
           <p:spPr>
             <a:xfrm>
-              <a:off x="6732000" y="1777320"/>
-              <a:ext cx="1101960" cy="258840"/>
+              <a:off x="7092000" y="1777320"/>
+              <a:ext cx="1101600" cy="258480"/>
             </a:xfrm>
             <a:prstGeom prst="rect">
               <a:avLst/>
@@ -3426,8 +3426,8 @@
           </p:nvSpPr>
           <p:spPr>
             <a:xfrm>
-              <a:off x="7092000" y="2281320"/>
-              <a:ext cx="717840" cy="344520"/>
+              <a:off x="7452000" y="2281320"/>
+              <a:ext cx="717480" cy="344160"/>
             </a:xfrm>
             <a:prstGeom prst="foldedCorner">
               <a:avLst>
@@ -3484,8 +3484,8 @@
           </p:nvSpPr>
           <p:spPr>
             <a:xfrm>
-              <a:off x="6984000" y="2196000"/>
-              <a:ext cx="717840" cy="344520"/>
+              <a:off x="7344000" y="2196000"/>
+              <a:ext cx="717480" cy="344160"/>
             </a:xfrm>
             <a:prstGeom prst="foldedCorner">
               <a:avLst>
@@ -3542,8 +3542,8 @@
           </p:nvSpPr>
           <p:spPr>
             <a:xfrm>
-              <a:off x="6876360" y="2124000"/>
-              <a:ext cx="717840" cy="344520"/>
+              <a:off x="7236360" y="2124000"/>
+              <a:ext cx="717480" cy="344160"/>
             </a:xfrm>
             <a:prstGeom prst="foldedCorner">
               <a:avLst>
@@ -3600,8 +3600,8 @@
           </p:nvSpPr>
           <p:spPr>
             <a:xfrm>
-              <a:off x="7848000" y="2330640"/>
-              <a:ext cx="393840" cy="259200"/>
+              <a:off x="8208000" y="2330640"/>
+              <a:ext cx="393480" cy="258840"/>
             </a:xfrm>
             <a:prstGeom prst="rect">
               <a:avLst/>
@@ -3653,10 +3653,10 @@
         </p:nvGrpSpPr>
         <p:grpSpPr>
           <a:xfrm>
-            <a:off x="6984000" y="2841840"/>
-            <a:ext cx="1581840" cy="1030680"/>
-            <a:chOff x="6984000" y="2841840"/>
-            <a:chExt cx="1581840" cy="1030680"/>
+            <a:off x="7344000" y="2841480"/>
+            <a:ext cx="1581480" cy="1030680"/>
+            <a:chOff x="7344000" y="2841480"/>
+            <a:chExt cx="1581480" cy="1030680"/>
           </a:xfrm>
         </p:grpSpPr>
         <p:sp>
@@ -3667,8 +3667,8 @@
           </p:nvSpPr>
           <p:spPr>
             <a:xfrm flipH="1" flipV="1">
-              <a:off x="7017840" y="2841480"/>
-              <a:ext cx="1077840" cy="344520"/>
+              <a:off x="7377120" y="2841480"/>
+              <a:ext cx="1077480" cy="344160"/>
             </a:xfrm>
             <a:custGeom>
               <a:avLst/>
@@ -3717,8 +3717,8 @@
           </p:nvSpPr>
           <p:spPr>
             <a:xfrm>
-              <a:off x="6984000" y="2916000"/>
-              <a:ext cx="1101960" cy="258840"/>
+              <a:off x="7344000" y="2916000"/>
+              <a:ext cx="1101600" cy="258480"/>
             </a:xfrm>
             <a:prstGeom prst="rect">
               <a:avLst/>
@@ -3769,8 +3769,8 @@
           </p:nvSpPr>
           <p:spPr>
             <a:xfrm>
-              <a:off x="7020000" y="3190680"/>
-              <a:ext cx="1545840" cy="681840"/>
+              <a:off x="7380000" y="3190680"/>
+              <a:ext cx="1545480" cy="681480"/>
             </a:xfrm>
             <a:prstGeom prst="rect">
               <a:avLst/>
@@ -3799,8 +3799,8 @@
           </p:nvSpPr>
           <p:spPr>
             <a:xfrm>
-              <a:off x="7344000" y="3420000"/>
-              <a:ext cx="717840" cy="344520"/>
+              <a:off x="7704000" y="3420000"/>
+              <a:ext cx="717480" cy="344160"/>
             </a:xfrm>
             <a:prstGeom prst="foldedCorner">
               <a:avLst>
@@ -3857,8 +3857,8 @@
           </p:nvSpPr>
           <p:spPr>
             <a:xfrm>
-              <a:off x="7236000" y="3334680"/>
-              <a:ext cx="717840" cy="344520"/>
+              <a:off x="7596000" y="3334680"/>
+              <a:ext cx="717480" cy="344160"/>
             </a:xfrm>
             <a:prstGeom prst="foldedCorner">
               <a:avLst>
@@ -3915,8 +3915,8 @@
           </p:nvSpPr>
           <p:spPr>
             <a:xfrm>
-              <a:off x="7128360" y="3262680"/>
-              <a:ext cx="717840" cy="344520"/>
+              <a:off x="7488360" y="3262680"/>
+              <a:ext cx="717480" cy="344160"/>
             </a:xfrm>
             <a:prstGeom prst="foldedCorner">
               <a:avLst>
@@ -3973,8 +3973,8 @@
           </p:nvSpPr>
           <p:spPr>
             <a:xfrm>
-              <a:off x="8100000" y="3469320"/>
-              <a:ext cx="393840" cy="259200"/>
+              <a:off x="8460000" y="3469320"/>
+              <a:ext cx="393480" cy="258840"/>
             </a:xfrm>
             <a:prstGeom prst="rect">
               <a:avLst/>
@@ -4026,10 +4026,10 @@
         </p:nvGrpSpPr>
         <p:grpSpPr>
           <a:xfrm>
-            <a:off x="7236000" y="3971160"/>
-            <a:ext cx="1581840" cy="1030680"/>
-            <a:chOff x="7236000" y="3971160"/>
-            <a:chExt cx="1581840" cy="1030680"/>
+            <a:off x="7596000" y="3970800"/>
+            <a:ext cx="1581480" cy="1030680"/>
+            <a:chOff x="7596000" y="3970800"/>
+            <a:chExt cx="1581480" cy="1030680"/>
           </a:xfrm>
         </p:grpSpPr>
         <p:sp>
@@ -4040,8 +4040,8 @@
           </p:nvSpPr>
           <p:spPr>
             <a:xfrm flipH="1" flipV="1">
-              <a:off x="7269840" y="3970800"/>
-              <a:ext cx="1077840" cy="344520"/>
+              <a:off x="7629120" y="3970800"/>
+              <a:ext cx="1077480" cy="344160"/>
             </a:xfrm>
             <a:custGeom>
               <a:avLst/>
@@ -4090,8 +4090,8 @@
           </p:nvSpPr>
           <p:spPr>
             <a:xfrm>
-              <a:off x="7236000" y="4045320"/>
-              <a:ext cx="1101960" cy="258840"/>
+              <a:off x="7596000" y="4045320"/>
+              <a:ext cx="1101600" cy="258480"/>
             </a:xfrm>
             <a:prstGeom prst="rect">
               <a:avLst/>
@@ -4142,8 +4142,8 @@
           </p:nvSpPr>
           <p:spPr>
             <a:xfrm>
-              <a:off x="7272000" y="4320000"/>
-              <a:ext cx="1545840" cy="681840"/>
+              <a:off x="7632000" y="4320000"/>
+              <a:ext cx="1545480" cy="681480"/>
             </a:xfrm>
             <a:prstGeom prst="rect">
               <a:avLst/>
@@ -4172,8 +4172,8 @@
           </p:nvSpPr>
           <p:spPr>
             <a:xfrm>
-              <a:off x="7596000" y="4549320"/>
-              <a:ext cx="717840" cy="344520"/>
+              <a:off x="7956000" y="4549320"/>
+              <a:ext cx="717480" cy="344160"/>
             </a:xfrm>
             <a:prstGeom prst="foldedCorner">
               <a:avLst>
@@ -4230,8 +4230,8 @@
           </p:nvSpPr>
           <p:spPr>
             <a:xfrm>
-              <a:off x="7488000" y="4464000"/>
-              <a:ext cx="717840" cy="344520"/>
+              <a:off x="7848000" y="4464000"/>
+              <a:ext cx="717480" cy="344160"/>
             </a:xfrm>
             <a:prstGeom prst="foldedCorner">
               <a:avLst>
@@ -4288,8 +4288,8 @@
           </p:nvSpPr>
           <p:spPr>
             <a:xfrm>
-              <a:off x="7380360" y="4392000"/>
-              <a:ext cx="717840" cy="344520"/>
+              <a:off x="7740360" y="4392000"/>
+              <a:ext cx="717480" cy="344160"/>
             </a:xfrm>
             <a:prstGeom prst="foldedCorner">
               <a:avLst>
@@ -4346,8 +4346,8 @@
           </p:nvSpPr>
           <p:spPr>
             <a:xfrm>
-              <a:off x="8352000" y="4598640"/>
-              <a:ext cx="393840" cy="259200"/>
+              <a:off x="8712000" y="4598640"/>
+              <a:ext cx="393480" cy="258840"/>
             </a:xfrm>
             <a:prstGeom prst="rect">
               <a:avLst/>
@@ -4399,8 +4399,8 @@
         </p:nvSpPr>
         <p:spPr>
           <a:xfrm>
-            <a:off x="3167640" y="1779120"/>
-            <a:ext cx="360" cy="415080"/>
+            <a:off x="4247640" y="1779120"/>
+            <a:ext cx="360" cy="414720"/>
           </a:xfrm>
           <a:custGeom>
             <a:avLst/>
@@ -4442,8 +4442,8 @@
         </p:nvSpPr>
         <p:spPr>
           <a:xfrm flipH="1">
-            <a:off x="3163320" y="2679120"/>
-            <a:ext cx="360" cy="415080"/>
+            <a:off x="4242600" y="2679120"/>
+            <a:ext cx="360" cy="414720"/>
           </a:xfrm>
           <a:custGeom>
             <a:avLst/>
@@ -4485,8 +4485,8 @@
         </p:nvSpPr>
         <p:spPr>
           <a:xfrm>
-            <a:off x="3167640" y="3579120"/>
-            <a:ext cx="360" cy="415080"/>
+            <a:off x="4247640" y="3579120"/>
+            <a:ext cx="360" cy="414720"/>
           </a:xfrm>
           <a:custGeom>
             <a:avLst/>
@@ -4528,8 +4528,8 @@
         </p:nvSpPr>
         <p:spPr>
           <a:xfrm>
-            <a:off x="3167640" y="4479120"/>
-            <a:ext cx="360" cy="379080"/>
+            <a:off x="4247640" y="4479120"/>
+            <a:ext cx="360" cy="378720"/>
           </a:xfrm>
           <a:custGeom>
             <a:avLst/>
@@ -4571,8 +4571,8 @@
         </p:nvSpPr>
         <p:spPr>
           <a:xfrm flipH="1">
-            <a:off x="3163320" y="900000"/>
-            <a:ext cx="360" cy="394200"/>
+            <a:off x="4242600" y="900000"/>
+            <a:ext cx="360" cy="393840"/>
           </a:xfrm>
           <a:custGeom>
             <a:avLst/>
@@ -4614,8 +4614,8 @@
         </p:nvSpPr>
         <p:spPr>
           <a:xfrm>
-            <a:off x="4644000" y="1404000"/>
-            <a:ext cx="1872000" cy="360"/>
+            <a:off x="5685120" y="1404360"/>
+            <a:ext cx="1190880" cy="0"/>
           </a:xfrm>
           <a:prstGeom prst="line">
             <a:avLst/>
@@ -4646,8 +4646,8 @@
         </p:nvSpPr>
         <p:spPr>
           <a:xfrm>
-            <a:off x="4605840" y="4392000"/>
-            <a:ext cx="2666160" cy="360"/>
+            <a:off x="5685120" y="4392360"/>
+            <a:ext cx="1946880" cy="0"/>
           </a:xfrm>
           <a:prstGeom prst="line">
             <a:avLst/>
@@ -4678,8 +4678,8 @@
         </p:nvSpPr>
         <p:spPr>
           <a:xfrm flipH="1">
-            <a:off x="4606200" y="1512000"/>
-            <a:ext cx="1909800" cy="756000"/>
+            <a:off x="5685480" y="1512000"/>
+            <a:ext cx="1190520" cy="756000"/>
           </a:xfrm>
           <a:prstGeom prst="line">
             <a:avLst/>
@@ -4710,8 +4710,8 @@
         </p:nvSpPr>
         <p:spPr>
           <a:xfrm>
-            <a:off x="4644000" y="2412000"/>
-            <a:ext cx="2124000" cy="360"/>
+            <a:off x="5685480" y="2412360"/>
+            <a:ext cx="1442520" cy="0"/>
           </a:xfrm>
           <a:prstGeom prst="line">
             <a:avLst/>
@@ -4742,8 +4742,8 @@
         </p:nvSpPr>
         <p:spPr>
           <a:xfrm flipH="1">
-            <a:off x="4610520" y="2520000"/>
-            <a:ext cx="2157480" cy="720000"/>
+            <a:off x="5685120" y="2529360"/>
+            <a:ext cx="1442880" cy="710640"/>
           </a:xfrm>
           <a:prstGeom prst="line">
             <a:avLst/>
@@ -4774,8 +4774,8 @@
         </p:nvSpPr>
         <p:spPr>
           <a:xfrm flipH="1">
-            <a:off x="4605840" y="2529360"/>
-            <a:ext cx="2166480" cy="1610640"/>
+            <a:off x="5685120" y="2529360"/>
+            <a:ext cx="1442880" cy="1610640"/>
           </a:xfrm>
           <a:prstGeom prst="line">
             <a:avLst/>
@@ -4806,8 +4806,8 @@
         </p:nvSpPr>
         <p:spPr>
           <a:xfrm>
-            <a:off x="4608000" y="3420000"/>
-            <a:ext cx="2412000" cy="360"/>
+            <a:off x="5685120" y="3420000"/>
+            <a:ext cx="1694880" cy="360"/>
           </a:xfrm>
           <a:prstGeom prst="line">
             <a:avLst/>
@@ -4838,8 +4838,194 @@
         </p:nvSpPr>
         <p:spPr>
           <a:xfrm flipH="1">
-            <a:off x="4614840" y="3600000"/>
-            <a:ext cx="2405160" cy="621360"/>
+            <a:off x="5685120" y="3600000"/>
+            <a:ext cx="1694880" cy="621360"/>
+          </a:xfrm>
+          <a:prstGeom prst="line">
+            <a:avLst/>
+          </a:prstGeom>
+          <a:ln w="18000">
+            <a:solidFill>
+              <a:srgbClr val="000000"/>
+            </a:solidFill>
+            <a:custDash>
+              <a:ds d="197000" sp="127000"/>
+            </a:custDash>
+            <a:round/>
+            <a:tailEnd len="med" type="triangle" w="med"/>
+          </a:ln>
+        </p:spPr>
+        <p:style>
+          <a:lnRef idx="0"/>
+          <a:fillRef idx="0"/>
+          <a:effectRef idx="0"/>
+          <a:fontRef idx="minor"/>
+        </p:style>
+      </p:sp>
+      <p:sp>
+        <p:nvSpPr>
+          <p:cNvPr id="88" name=""/>
+          <p:cNvSpPr/>
+          <p:nvPr/>
+        </p:nvSpPr>
+        <p:spPr>
+          <a:xfrm>
+            <a:off x="612000" y="1260000"/>
+            <a:ext cx="1437480" cy="540000"/>
+          </a:xfrm>
+          <a:prstGeom prst="foldedCorner">
+            <a:avLst>
+              <a:gd name="adj" fmla="val 23317"/>
+            </a:avLst>
+          </a:prstGeom>
+          <a:solidFill>
+            <a:srgbClr val="ffffff"/>
+          </a:solidFill>
+          <a:ln w="0">
+            <a:solidFill>
+              <a:srgbClr val="000000"/>
+            </a:solidFill>
+          </a:ln>
+        </p:spPr>
+        <p:style>
+          <a:lnRef idx="0"/>
+          <a:fillRef idx="0"/>
+          <a:effectRef idx="0"/>
+          <a:fontRef idx="minor"/>
+        </p:style>
+        <p:txBody>
+          <a:bodyPr lIns="90000" rIns="90000" tIns="45000" bIns="45000" anchor="b">
+            <a:noAutofit/>
+          </a:bodyPr>
+          <a:p>
+            <a:pPr algn="ctr">
+              <a:lnSpc>
+                <a:spcPct val="100000"/>
+              </a:lnSpc>
+              <a:buNone/>
+            </a:pPr>
+            <a:r>
+              <a:rPr b="0" lang="en-US" sz="1800" spc="-1" strike="noStrike">
+                <a:solidFill>
+                  <a:srgbClr val="000000"/>
+                </a:solidFill>
+                <a:latin typeface="Arial"/>
+                <a:ea typeface="DejaVu Sans"/>
+              </a:rPr>
+              <a:t>config.json</a:t>
+            </a:r>
+            <a:endParaRPr b="0" lang="en-US" sz="1800" spc="-1" strike="noStrike">
+              <a:latin typeface="Arial"/>
+            </a:endParaRPr>
+          </a:p>
+        </p:txBody>
+      </p:sp>
+      <p:sp>
+        <p:nvSpPr>
+          <p:cNvPr id="89" name=""/>
+          <p:cNvSpPr/>
+          <p:nvPr/>
+        </p:nvSpPr>
+        <p:spPr>
+          <a:xfrm>
+            <a:off x="2049480" y="1476000"/>
+            <a:ext cx="758520" cy="0"/>
+          </a:xfrm>
+          <a:prstGeom prst="line">
+            <a:avLst/>
+          </a:prstGeom>
+          <a:ln w="18000">
+            <a:solidFill>
+              <a:srgbClr val="000000"/>
+            </a:solidFill>
+            <a:custDash>
+              <a:ds d="197000" sp="127000"/>
+            </a:custDash>
+            <a:round/>
+            <a:tailEnd len="med" type="triangle" w="med"/>
+          </a:ln>
+        </p:spPr>
+        <p:style>
+          <a:lnRef idx="0"/>
+          <a:fillRef idx="0"/>
+          <a:effectRef idx="0"/>
+          <a:fontRef idx="minor"/>
+        </p:style>
+      </p:sp>
+      <p:sp>
+        <p:nvSpPr>
+          <p:cNvPr id="90" name=""/>
+          <p:cNvSpPr/>
+          <p:nvPr/>
+        </p:nvSpPr>
+        <p:spPr>
+          <a:xfrm>
+            <a:off x="2049480" y="1476000"/>
+            <a:ext cx="758880" cy="1008000"/>
+          </a:xfrm>
+          <a:prstGeom prst="line">
+            <a:avLst/>
+          </a:prstGeom>
+          <a:ln w="18000">
+            <a:solidFill>
+              <a:srgbClr val="000000"/>
+            </a:solidFill>
+            <a:custDash>
+              <a:ds d="197000" sp="127000"/>
+            </a:custDash>
+            <a:round/>
+            <a:tailEnd len="med" type="triangle" w="med"/>
+          </a:ln>
+        </p:spPr>
+        <p:style>
+          <a:lnRef idx="0"/>
+          <a:fillRef idx="0"/>
+          <a:effectRef idx="0"/>
+          <a:fontRef idx="minor"/>
+        </p:style>
+      </p:sp>
+      <p:sp>
+        <p:nvSpPr>
+          <p:cNvPr id="91" name=""/>
+          <p:cNvSpPr/>
+          <p:nvPr/>
+        </p:nvSpPr>
+        <p:spPr>
+          <a:xfrm>
+            <a:off x="2049480" y="1476000"/>
+            <a:ext cx="758520" cy="1908000"/>
+          </a:xfrm>
+          <a:prstGeom prst="line">
+            <a:avLst/>
+          </a:prstGeom>
+          <a:ln w="18000">
+            <a:solidFill>
+              <a:srgbClr val="000000"/>
+            </a:solidFill>
+            <a:custDash>
+              <a:ds d="197000" sp="127000"/>
+            </a:custDash>
+            <a:round/>
+            <a:tailEnd len="med" type="triangle" w="med"/>
+          </a:ln>
+        </p:spPr>
+        <p:style>
+          <a:lnRef idx="0"/>
+          <a:fillRef idx="0"/>
+          <a:effectRef idx="0"/>
+          <a:fontRef idx="minor"/>
+        </p:style>
+      </p:sp>
+      <p:sp>
+        <p:nvSpPr>
+          <p:cNvPr id="92" name=""/>
+          <p:cNvSpPr/>
+          <p:nvPr/>
+        </p:nvSpPr>
+        <p:spPr>
+          <a:xfrm>
+            <a:off x="2049480" y="1476000"/>
+            <a:ext cx="758520" cy="2808000"/>
           </a:xfrm>
           <a:prstGeom prst="line">
             <a:avLst/>
@@ -4894,7 +5080,7 @@
       </p:grpSpPr>
       <p:sp>
         <p:nvSpPr>
-          <p:cNvPr id="88" name="PlaceHolder 1"/>
+          <p:cNvPr id="93" name="PlaceHolder 1"/>
           <p:cNvSpPr>
             <a:spLocks noGrp="1"/>
           </p:cNvSpPr>
@@ -4905,7 +5091,7 @@
         <p:spPr>
           <a:xfrm>
             <a:off x="504000" y="226080"/>
-            <a:ext cx="9069120" cy="943920"/>
+            <a:ext cx="9068760" cy="943560"/>
           </a:xfrm>
           <a:prstGeom prst="rect">
             <a:avLst/>
